--- a/分析结果/样例二-张天利/演示文稿1.pptx
+++ b/分析结果/样例二-张天利/演示文稿1.pptx
@@ -6,11 +6,12 @@
   </p:sldMasterIdLst>
   <p:sldIdLst>
     <p:sldId id="256" r:id="rId3"/>
-    <p:sldId id="257" r:id="rId4"/>
-    <p:sldId id="258" r:id="rId5"/>
-    <p:sldId id="259" r:id="rId6"/>
-    <p:sldId id="260" r:id="rId7"/>
-    <p:sldId id="261" r:id="rId8"/>
+    <p:sldId id="262" r:id="rId4"/>
+    <p:sldId id="257" r:id="rId5"/>
+    <p:sldId id="258" r:id="rId6"/>
+    <p:sldId id="259" r:id="rId7"/>
+    <p:sldId id="260" r:id="rId8"/>
+    <p:sldId id="261" r:id="rId9"/>
   </p:sldIdLst>
   <p:sldSz cx="12192000" cy="6858000"/>
   <p:notesSz cx="6858000" cy="9144000"/>
@@ -5915,6 +5916,159 @@
         <p:cNvGrpSpPr/>
         <p:nvPr/>
       </p:nvGrpSpPr>
+      <p:grpSpPr/>
+      <p:sp>
+        <p:nvSpPr>
+          <p:cNvPr id="2" name="标题 1"/>
+          <p:cNvSpPr>
+            <a:spLocks noGrp="1"/>
+          </p:cNvSpPr>
+          <p:nvPr>
+            <p:ph type="title"/>
+          </p:nvPr>
+        </p:nvSpPr>
+        <p:spPr/>
+        <p:txBody>
+          <a:bodyPr/>
+          <a:p>
+            <a:r>
+              <a:rPr lang="zh-CN" altLang="en-US"/>
+              <a:t>本周工作进展</a:t>
+            </a:r>
+            <a:endParaRPr lang="zh-CN" altLang="en-US"/>
+          </a:p>
+        </p:txBody>
+      </p:sp>
+      <p:sp>
+        <p:nvSpPr>
+          <p:cNvPr id="3" name="内容占位符 2"/>
+          <p:cNvSpPr>
+            <a:spLocks noGrp="1"/>
+          </p:cNvSpPr>
+          <p:nvPr>
+            <p:ph idx="1"/>
+          </p:nvPr>
+        </p:nvSpPr>
+        <p:spPr/>
+        <p:txBody>
+          <a:bodyPr/>
+          <a:p>
+            <a:r>
+              <a:rPr lang="zh-CN" altLang="en-US"/>
+              <a:t>对于我们的主要开发方向（</a:t>
+            </a:r>
+            <a:r>
+              <a:rPr lang="en-US" altLang="zh-CN"/>
+              <a:t>“</a:t>
+            </a:r>
+            <a:r>
+              <a:rPr lang="zh-CN" altLang="en-US"/>
+              <a:t>野指针</a:t>
+            </a:r>
+            <a:r>
+              <a:rPr lang="en-US" altLang="zh-CN"/>
+              <a:t>”</a:t>
+            </a:r>
+            <a:r>
+              <a:rPr lang="zh-CN" altLang="en-US"/>
+              <a:t>的检测与报错）进行了面向数据的分析</a:t>
+            </a:r>
+            <a:endParaRPr lang="zh-CN" altLang="en-US"/>
+          </a:p>
+          <a:p>
+            <a:r>
+              <a:rPr lang="zh-CN" altLang="en-US"/>
+              <a:t>跟踪数据走向，分析</a:t>
+            </a:r>
+            <a:r>
+              <a:rPr lang="en-US" altLang="en-US"/>
+              <a:t>Token</a:t>
+            </a:r>
+            <a:r>
+              <a:rPr lang="zh-CN" altLang="en-US"/>
+              <a:t>与</a:t>
+            </a:r>
+            <a:r>
+              <a:rPr lang="en-US" altLang="en-US"/>
+              <a:t>Symbol</a:t>
+            </a:r>
+            <a:r>
+              <a:rPr lang="zh-CN" altLang="en-US"/>
+              <a:t>类与对象之间的关系</a:t>
+            </a:r>
+            <a:endParaRPr lang="zh-CN" altLang="en-US"/>
+          </a:p>
+          <a:p>
+            <a:r>
+              <a:rPr lang="en-US" altLang="en-US"/>
+              <a:t>Ast(</a:t>
+            </a:r>
+            <a:r>
+              <a:rPr lang="zh-CN" altLang="en-US"/>
+              <a:t>抽象语法树</a:t>
+            </a:r>
+            <a:r>
+              <a:rPr lang="en-US" altLang="en-US"/>
+              <a:t>)</a:t>
+            </a:r>
+            <a:r>
+              <a:rPr lang="zh-CN" altLang="en-US"/>
+              <a:t>分析，与</a:t>
+            </a:r>
+            <a:r>
+              <a:rPr lang="en-US" altLang="zh-CN"/>
+              <a:t>Token</a:t>
+            </a:r>
+            <a:r>
+              <a:rPr lang="zh-CN" altLang="en-US"/>
+              <a:t>挂钩</a:t>
+            </a:r>
+            <a:endParaRPr lang="zh-CN" altLang="en-US"/>
+          </a:p>
+        </p:txBody>
+      </p:sp>
+      <p:pic>
+        <p:nvPicPr>
+          <p:cNvPr id="5" name="图片 4" descr="QQ图片20160401090900"/>
+          <p:cNvPicPr>
+            <a:picLocks noChangeAspect="1"/>
+          </p:cNvPicPr>
+          <p:nvPr/>
+        </p:nvPicPr>
+        <p:blipFill>
+          <a:blip r:embed="rId1"/>
+          <a:stretch>
+            <a:fillRect/>
+          </a:stretch>
+        </p:blipFill>
+        <p:spPr>
+          <a:xfrm>
+            <a:off x="1127125" y="502285"/>
+            <a:ext cx="9937115" cy="5852795"/>
+          </a:xfrm>
+          <a:prstGeom prst="rect">
+            <a:avLst/>
+          </a:prstGeom>
+        </p:spPr>
+      </p:pic>
+    </p:spTree>
+  </p:cSld>
+  <p:clrMapOvr>
+    <a:masterClrMapping/>
+  </p:clrMapOvr>
+  <p:transition/>
+</p:sld>
+</file>
+
+<file path=ppt/slides/slide3.xml><?xml version="1.0" encoding="utf-8"?>
+<p:sld xmlns:a="http://schemas.openxmlformats.org/drawingml/2006/main" xmlns:r="http://schemas.openxmlformats.org/officeDocument/2006/relationships" xmlns:p="http://schemas.openxmlformats.org/presentationml/2006/main">
+  <p:cSld>
+    <p:spTree>
+      <p:nvGrpSpPr>
+        <p:cNvPr id="1" name=""/>
+        <p:cNvGrpSpPr/>
+        <p:nvPr/>
+      </p:nvGrpSpPr>
       <p:grpSpPr>
         <a:xfrm>
           <a:off x="0" y="0"/>
@@ -6580,7 +6734,7 @@
 </p:sld>
 </file>
 
-<file path=ppt/slides/slide3.xml><?xml version="1.0" encoding="utf-8"?>
+<file path=ppt/slides/slide4.xml><?xml version="1.0" encoding="utf-8"?>
 <p:sld xmlns:a="http://schemas.openxmlformats.org/drawingml/2006/main" xmlns:r="http://schemas.openxmlformats.org/officeDocument/2006/relationships" xmlns:p="http://schemas.openxmlformats.org/presentationml/2006/main">
   <p:cSld>
     <p:spTree>
@@ -7152,7 +7306,7 @@
 </p:sld>
 </file>
 
-<file path=ppt/slides/slide4.xml><?xml version="1.0" encoding="utf-8"?>
+<file path=ppt/slides/slide5.xml><?xml version="1.0" encoding="utf-8"?>
 <p:sld xmlns:a="http://schemas.openxmlformats.org/drawingml/2006/main" xmlns:r="http://schemas.openxmlformats.org/officeDocument/2006/relationships" xmlns:p="http://schemas.openxmlformats.org/presentationml/2006/main">
   <p:cSld>
     <p:spTree>
@@ -7790,7 +7944,7 @@
 </p:sld>
 </file>
 
-<file path=ppt/slides/slide5.xml><?xml version="1.0" encoding="utf-8"?>
+<file path=ppt/slides/slide6.xml><?xml version="1.0" encoding="utf-8"?>
 <p:sld xmlns:a="http://schemas.openxmlformats.org/drawingml/2006/main" xmlns:r="http://schemas.openxmlformats.org/officeDocument/2006/relationships" xmlns:p="http://schemas.openxmlformats.org/presentationml/2006/main">
   <p:cSld>
     <p:spTree>
@@ -8766,7 +8920,7 @@
 </p:sld>
 </file>
 
-<file path=ppt/slides/slide6.xml><?xml version="1.0" encoding="utf-8"?>
+<file path=ppt/slides/slide7.xml><?xml version="1.0" encoding="utf-8"?>
 <p:sld xmlns:a="http://schemas.openxmlformats.org/drawingml/2006/main" xmlns:r="http://schemas.openxmlformats.org/officeDocument/2006/relationships" xmlns:p="http://schemas.openxmlformats.org/presentationml/2006/main">
   <p:cSld>
     <p:spTree>
